--- a/files/day1_materials/slides_day1.pptx
+++ b/files/day1_materials/slides_day1.pptx
@@ -246,7 +246,7 @@
           <a:p>
             <a:fld id="{F833E4A7-8C8F-0444-B05A-6DE0ED7B35B0}" type="datetimeFigureOut">
               <a:rPr lang="en-US" smtClean="0"/>
-              <a:t>5/11/16</a:t>
+              <a:t>5/19/16</a:t>
             </a:fld>
             <a:endParaRPr lang="en-US"/>
           </a:p>
@@ -993,7 +993,7 @@
           <a:p>
             <a:fld id="{CAF647BD-C221-1844-9ED2-A7F7759EF665}" type="datetimeFigureOut">
               <a:rPr lang="en-US" smtClean="0"/>
-              <a:t>5/11/16</a:t>
+              <a:t>5/19/16</a:t>
             </a:fld>
             <a:endParaRPr lang="en-US"/>
           </a:p>
@@ -1258,7 +1258,7 @@
           <a:p>
             <a:fld id="{CAF647BD-C221-1844-9ED2-A7F7759EF665}" type="datetimeFigureOut">
               <a:rPr lang="en-US" smtClean="0"/>
-              <a:t>5/11/16</a:t>
+              <a:t>5/19/16</a:t>
             </a:fld>
             <a:endParaRPr lang="en-US"/>
           </a:p>
@@ -1433,7 +1433,7 @@
           <a:p>
             <a:fld id="{CAF647BD-C221-1844-9ED2-A7F7759EF665}" type="datetimeFigureOut">
               <a:rPr lang="en-US" smtClean="0"/>
-              <a:t>5/11/16</a:t>
+              <a:t>5/19/16</a:t>
             </a:fld>
             <a:endParaRPr lang="en-US"/>
           </a:p>
@@ -1598,7 +1598,7 @@
           <a:p>
             <a:fld id="{CAF647BD-C221-1844-9ED2-A7F7759EF665}" type="datetimeFigureOut">
               <a:rPr lang="en-US" smtClean="0"/>
-              <a:t>5/11/16</a:t>
+              <a:t>5/19/16</a:t>
             </a:fld>
             <a:endParaRPr lang="en-US"/>
           </a:p>
@@ -1847,7 +1847,7 @@
           <a:p>
             <a:fld id="{CAF647BD-C221-1844-9ED2-A7F7759EF665}" type="datetimeFigureOut">
               <a:rPr lang="en-US" smtClean="0"/>
-              <a:t>5/11/16</a:t>
+              <a:t>5/19/16</a:t>
             </a:fld>
             <a:endParaRPr lang="en-US"/>
           </a:p>
@@ -2130,7 +2130,7 @@
           <a:p>
             <a:fld id="{CAF647BD-C221-1844-9ED2-A7F7759EF665}" type="datetimeFigureOut">
               <a:rPr lang="en-US" smtClean="0"/>
-              <a:t>5/11/16</a:t>
+              <a:t>5/19/16</a:t>
             </a:fld>
             <a:endParaRPr lang="en-US"/>
           </a:p>
@@ -2569,7 +2569,7 @@
           <a:p>
             <a:fld id="{CAF647BD-C221-1844-9ED2-A7F7759EF665}" type="datetimeFigureOut">
               <a:rPr lang="en-US" smtClean="0"/>
-              <a:t>5/11/16</a:t>
+              <a:t>5/19/16</a:t>
             </a:fld>
             <a:endParaRPr lang="en-US"/>
           </a:p>
@@ -2682,7 +2682,7 @@
           <a:p>
             <a:fld id="{CAF647BD-C221-1844-9ED2-A7F7759EF665}" type="datetimeFigureOut">
               <a:rPr lang="en-US" smtClean="0"/>
-              <a:t>5/11/16</a:t>
+              <a:t>5/19/16</a:t>
             </a:fld>
             <a:endParaRPr lang="en-US"/>
           </a:p>
@@ -2772,7 +2772,7 @@
           <a:p>
             <a:fld id="{CAF647BD-C221-1844-9ED2-A7F7759EF665}" type="datetimeFigureOut">
               <a:rPr lang="en-US" smtClean="0"/>
-              <a:t>5/11/16</a:t>
+              <a:t>5/19/16</a:t>
             </a:fld>
             <a:endParaRPr lang="en-US"/>
           </a:p>
@@ -3014,7 +3014,7 @@
           <a:p>
             <a:fld id="{CAF647BD-C221-1844-9ED2-A7F7759EF665}" type="datetimeFigureOut">
               <a:rPr lang="en-US" smtClean="0"/>
-              <a:t>5/11/16</a:t>
+              <a:t>5/19/16</a:t>
             </a:fld>
             <a:endParaRPr lang="en-US"/>
           </a:p>
@@ -3308,7 +3308,7 @@
           <a:p>
             <a:fld id="{CAF647BD-C221-1844-9ED2-A7F7759EF665}" type="datetimeFigureOut">
               <a:rPr lang="en-US" smtClean="0"/>
-              <a:t>5/11/16</a:t>
+              <a:t>5/19/16</a:t>
             </a:fld>
             <a:endParaRPr lang="en-US"/>
           </a:p>
@@ -3602,7 +3602,7 @@
           <a:p>
             <a:fld id="{CAF647BD-C221-1844-9ED2-A7F7759EF665}" type="datetimeFigureOut">
               <a:rPr lang="en-US" smtClean="0"/>
-              <a:t>5/11/16</a:t>
+              <a:t>5/19/16</a:t>
             </a:fld>
             <a:endParaRPr lang="en-US"/>
           </a:p>
@@ -11101,7 +11101,7 @@
                 <a:latin typeface="Monaco"/>
                 <a:cs typeface="Monaco"/>
               </a:rPr>
-              <a:t>print b</a:t>
+              <a:t>print(b)</a:t>
             </a:r>
             <a:endParaRPr lang="en-US" dirty="0">
               <a:latin typeface="Monaco"/>
@@ -11199,7 +11199,7 @@
                 <a:latin typeface="Monaco"/>
                 <a:cs typeface="Monaco"/>
               </a:rPr>
-              <a:t>print a</a:t>
+              <a:t>print(a)</a:t>
             </a:r>
           </a:p>
           <a:p>

--- a/files/day1_materials/slides_day1.pptx
+++ b/files/day1_materials/slides_day1.pptx
@@ -5,7 +5,7 @@
     <p:sldMasterId id="2147483660" r:id="rId1"/>
   </p:sldMasterIdLst>
   <p:notesMasterIdLst>
-    <p:notesMasterId r:id="rId57"/>
+    <p:notesMasterId r:id="rId54"/>
   </p:notesMasterIdLst>
   <p:sldIdLst>
     <p:sldId id="256" r:id="rId2"/>
@@ -45,24 +45,21 @@
     <p:sldId id="354" r:id="rId36"/>
     <p:sldId id="355" r:id="rId37"/>
     <p:sldId id="356" r:id="rId38"/>
-    <p:sldId id="358" r:id="rId39"/>
-    <p:sldId id="361" r:id="rId40"/>
-    <p:sldId id="362" r:id="rId41"/>
-    <p:sldId id="363" r:id="rId42"/>
-    <p:sldId id="364" r:id="rId43"/>
-    <p:sldId id="365" r:id="rId44"/>
-    <p:sldId id="366" r:id="rId45"/>
-    <p:sldId id="368" r:id="rId46"/>
-    <p:sldId id="369" r:id="rId47"/>
-    <p:sldId id="370" r:id="rId48"/>
-    <p:sldId id="371" r:id="rId49"/>
-    <p:sldId id="313" r:id="rId50"/>
-    <p:sldId id="302" r:id="rId51"/>
-    <p:sldId id="299" r:id="rId52"/>
-    <p:sldId id="372" r:id="rId53"/>
-    <p:sldId id="321" r:id="rId54"/>
-    <p:sldId id="322" r:id="rId55"/>
-    <p:sldId id="342" r:id="rId56"/>
+    <p:sldId id="361" r:id="rId39"/>
+    <p:sldId id="362" r:id="rId40"/>
+    <p:sldId id="363" r:id="rId41"/>
+    <p:sldId id="364" r:id="rId42"/>
+    <p:sldId id="365" r:id="rId43"/>
+    <p:sldId id="366" r:id="rId44"/>
+    <p:sldId id="368" r:id="rId45"/>
+    <p:sldId id="369" r:id="rId46"/>
+    <p:sldId id="370" r:id="rId47"/>
+    <p:sldId id="371" r:id="rId48"/>
+    <p:sldId id="313" r:id="rId49"/>
+    <p:sldId id="302" r:id="rId50"/>
+    <p:sldId id="299" r:id="rId51"/>
+    <p:sldId id="372" r:id="rId52"/>
+    <p:sldId id="342" r:id="rId53"/>
   </p:sldIdLst>
   <p:sldSz cx="9144000" cy="6858000" type="screen4x3"/>
   <p:notesSz cx="6858000" cy="9144000"/>
@@ -246,7 +243,7 @@
           <a:p>
             <a:fld id="{F833E4A7-8C8F-0444-B05A-6DE0ED7B35B0}" type="datetimeFigureOut">
               <a:rPr lang="en-US" smtClean="0"/>
-              <a:t>5/19/16</a:t>
+              <a:t>5/20/16</a:t>
             </a:fld>
             <a:endParaRPr lang="en-US"/>
           </a:p>
@@ -558,22 +555,6 @@
           <a:bodyPr/>
           <a:lstStyle/>
           <a:p>
-            <a:r>
-              <a:rPr lang="en-US" dirty="0" smtClean="0"/>
-              <a:t>Generally, this is where secret</a:t>
-            </a:r>
-            <a:r>
-              <a:rPr lang="en-US" baseline="0" dirty="0" smtClean="0"/>
-              <a:t> important things happen. If you don</a:t>
-            </a:r>
-            <a:r>
-              <a:rPr lang="fr-FR" baseline="0" dirty="0" smtClean="0"/>
-              <a:t>’</a:t>
-            </a:r>
-            <a:r>
-              <a:rPr lang="en-US" baseline="0" dirty="0" smtClean="0"/>
-              <a:t>t understand computers well, don’t mess around in here!</a:t>
-            </a:r>
             <a:endParaRPr lang="en-US" dirty="0"/>
           </a:p>
         </p:txBody>
@@ -658,20 +639,6 @@
           <a:bodyPr/>
           <a:lstStyle/>
           <a:p>
-            <a:r>
-              <a:rPr lang="en-US"/>
-              <a:t>DEMONSTRATE</a:t>
-            </a:r>
-            <a:r>
-              <a:rPr lang="en-US" baseline="0"/>
-              <a:t> CD HERE!!!</a:t>
-            </a:r>
-          </a:p>
-          <a:p>
-            <a:r>
-              <a:rPr lang="en-US" baseline="0"/>
-              <a:t>INCLUDE ~, .., . cd on its own. relative path vs absolute path demo.</a:t>
-            </a:r>
             <a:endParaRPr lang="en-US"/>
           </a:p>
         </p:txBody>
@@ -756,10 +723,6 @@
           <a:bodyPr/>
           <a:lstStyle/>
           <a:p>
-            <a:r>
-              <a:rPr lang="en-US" dirty="0" smtClean="0"/>
-              <a:t>NOW SHOW THESE COMMANDS IN ACTION, AND THEN BREAK FOR THEM TO DO THE WORKSHEET.</a:t>
-            </a:r>
             <a:endParaRPr lang="en-US" dirty="0"/>
           </a:p>
         </p:txBody>
@@ -993,7 +956,7 @@
           <a:p>
             <a:fld id="{CAF647BD-C221-1844-9ED2-A7F7759EF665}" type="datetimeFigureOut">
               <a:rPr lang="en-US" smtClean="0"/>
-              <a:t>5/19/16</a:t>
+              <a:t>5/20/16</a:t>
             </a:fld>
             <a:endParaRPr lang="en-US"/>
           </a:p>
@@ -1258,7 +1221,7 @@
           <a:p>
             <a:fld id="{CAF647BD-C221-1844-9ED2-A7F7759EF665}" type="datetimeFigureOut">
               <a:rPr lang="en-US" smtClean="0"/>
-              <a:t>5/19/16</a:t>
+              <a:t>5/20/16</a:t>
             </a:fld>
             <a:endParaRPr lang="en-US"/>
           </a:p>
@@ -1433,7 +1396,7 @@
           <a:p>
             <a:fld id="{CAF647BD-C221-1844-9ED2-A7F7759EF665}" type="datetimeFigureOut">
               <a:rPr lang="en-US" smtClean="0"/>
-              <a:t>5/19/16</a:t>
+              <a:t>5/20/16</a:t>
             </a:fld>
             <a:endParaRPr lang="en-US"/>
           </a:p>
@@ -1598,7 +1561,7 @@
           <a:p>
             <a:fld id="{CAF647BD-C221-1844-9ED2-A7F7759EF665}" type="datetimeFigureOut">
               <a:rPr lang="en-US" smtClean="0"/>
-              <a:t>5/19/16</a:t>
+              <a:t>5/20/16</a:t>
             </a:fld>
             <a:endParaRPr lang="en-US"/>
           </a:p>
@@ -1847,7 +1810,7 @@
           <a:p>
             <a:fld id="{CAF647BD-C221-1844-9ED2-A7F7759EF665}" type="datetimeFigureOut">
               <a:rPr lang="en-US" smtClean="0"/>
-              <a:t>5/19/16</a:t>
+              <a:t>5/20/16</a:t>
             </a:fld>
             <a:endParaRPr lang="en-US"/>
           </a:p>
@@ -2130,7 +2093,7 @@
           <a:p>
             <a:fld id="{CAF647BD-C221-1844-9ED2-A7F7759EF665}" type="datetimeFigureOut">
               <a:rPr lang="en-US" smtClean="0"/>
-              <a:t>5/19/16</a:t>
+              <a:t>5/20/16</a:t>
             </a:fld>
             <a:endParaRPr lang="en-US"/>
           </a:p>
@@ -2569,7 +2532,7 @@
           <a:p>
             <a:fld id="{CAF647BD-C221-1844-9ED2-A7F7759EF665}" type="datetimeFigureOut">
               <a:rPr lang="en-US" smtClean="0"/>
-              <a:t>5/19/16</a:t>
+              <a:t>5/20/16</a:t>
             </a:fld>
             <a:endParaRPr lang="en-US"/>
           </a:p>
@@ -2682,7 +2645,7 @@
           <a:p>
             <a:fld id="{CAF647BD-C221-1844-9ED2-A7F7759EF665}" type="datetimeFigureOut">
               <a:rPr lang="en-US" smtClean="0"/>
-              <a:t>5/19/16</a:t>
+              <a:t>5/20/16</a:t>
             </a:fld>
             <a:endParaRPr lang="en-US"/>
           </a:p>
@@ -2772,7 +2735,7 @@
           <a:p>
             <a:fld id="{CAF647BD-C221-1844-9ED2-A7F7759EF665}" type="datetimeFigureOut">
               <a:rPr lang="en-US" smtClean="0"/>
-              <a:t>5/19/16</a:t>
+              <a:t>5/20/16</a:t>
             </a:fld>
             <a:endParaRPr lang="en-US"/>
           </a:p>
@@ -3014,7 +2977,7 @@
           <a:p>
             <a:fld id="{CAF647BD-C221-1844-9ED2-A7F7759EF665}" type="datetimeFigureOut">
               <a:rPr lang="en-US" smtClean="0"/>
-              <a:t>5/19/16</a:t>
+              <a:t>5/20/16</a:t>
             </a:fld>
             <a:endParaRPr lang="en-US"/>
           </a:p>
@@ -3308,7 +3271,7 @@
           <a:p>
             <a:fld id="{CAF647BD-C221-1844-9ED2-A7F7759EF665}" type="datetimeFigureOut">
               <a:rPr lang="en-US" smtClean="0"/>
-              <a:t>5/19/16</a:t>
+              <a:t>5/20/16</a:t>
             </a:fld>
             <a:endParaRPr lang="en-US"/>
           </a:p>
@@ -3602,7 +3565,7 @@
           <a:p>
             <a:fld id="{CAF647BD-C221-1844-9ED2-A7F7759EF665}" type="datetimeFigureOut">
               <a:rPr lang="en-US" smtClean="0"/>
-              <a:t>5/19/16</a:t>
+              <a:t>5/20/16</a:t>
             </a:fld>
             <a:endParaRPr lang="en-US"/>
           </a:p>
@@ -12542,71 +12505,6 @@
             <p:ph type="title"/>
           </p:nvPr>
         </p:nvSpPr>
-        <p:spPr>
-          <a:xfrm>
-            <a:off x="2230714" y="3087537"/>
-            <a:ext cx="4688183" cy="692215"/>
-          </a:xfrm>
-        </p:spPr>
-        <p:txBody>
-          <a:bodyPr/>
-          <a:lstStyle/>
-          <a:p>
-            <a:r>
-              <a:rPr lang="en-US" dirty="0" smtClean="0"/>
-              <a:t>exercise break</a:t>
-            </a:r>
-            <a:endParaRPr lang="en-US" dirty="0"/>
-          </a:p>
-        </p:txBody>
-      </p:sp>
-    </p:spTree>
-    <p:extLst>
-      <p:ext uri="{BB962C8B-B14F-4D97-AF65-F5344CB8AC3E}">
-        <p14:creationId xmlns:p14="http://schemas.microsoft.com/office/powerpoint/2010/main" val="1631967237"/>
-      </p:ext>
-    </p:extLst>
-  </p:cSld>
-  <p:clrMapOvr>
-    <a:masterClrMapping/>
-  </p:clrMapOvr>
-  <p:timing>
-    <p:tnLst>
-      <p:par>
-        <p:cTn xmlns:p14="http://schemas.microsoft.com/office/powerpoint/2010/main" id="1" dur="indefinite" restart="never" nodeType="tmRoot"/>
-      </p:par>
-    </p:tnLst>
-  </p:timing>
-</p:sld>
-</file>
-
-<file path=ppt/slides/slide39.xml><?xml version="1.0" encoding="utf-8"?>
-<p:sld xmlns:a="http://schemas.openxmlformats.org/drawingml/2006/main" xmlns:r="http://schemas.openxmlformats.org/officeDocument/2006/relationships" xmlns:p="http://schemas.openxmlformats.org/presentationml/2006/main">
-  <p:cSld>
-    <p:spTree>
-      <p:nvGrpSpPr>
-        <p:cNvPr id="1" name=""/>
-        <p:cNvGrpSpPr/>
-        <p:nvPr/>
-      </p:nvGrpSpPr>
-      <p:grpSpPr>
-        <a:xfrm>
-          <a:off x="0" y="0"/>
-          <a:ext cx="0" cy="0"/>
-          <a:chOff x="0" y="0"/>
-          <a:chExt cx="0" cy="0"/>
-        </a:xfrm>
-      </p:grpSpPr>
-      <p:sp>
-        <p:nvSpPr>
-          <p:cNvPr id="2" name="Title 1"/>
-          <p:cNvSpPr>
-            <a:spLocks noGrp="1"/>
-          </p:cNvSpPr>
-          <p:nvPr>
-            <p:ph type="title"/>
-          </p:nvPr>
-        </p:nvSpPr>
         <p:spPr/>
         <p:txBody>
           <a:bodyPr/>
@@ -13196,130 +13094,7 @@
 </p:sld>
 </file>
 
-<file path=ppt/slides/slide4.xml><?xml version="1.0" encoding="utf-8"?>
-<p:sld xmlns:a="http://schemas.openxmlformats.org/drawingml/2006/main" xmlns:r="http://schemas.openxmlformats.org/officeDocument/2006/relationships" xmlns:p="http://schemas.openxmlformats.org/presentationml/2006/main">
-  <p:cSld>
-    <p:spTree>
-      <p:nvGrpSpPr>
-        <p:cNvPr id="1" name=""/>
-        <p:cNvGrpSpPr/>
-        <p:nvPr/>
-      </p:nvGrpSpPr>
-      <p:grpSpPr>
-        <a:xfrm>
-          <a:off x="0" y="0"/>
-          <a:ext cx="0" cy="0"/>
-          <a:chOff x="0" y="0"/>
-          <a:chExt cx="0" cy="0"/>
-        </a:xfrm>
-      </p:grpSpPr>
-      <p:sp>
-        <p:nvSpPr>
-          <p:cNvPr id="2" name="Title 1"/>
-          <p:cNvSpPr>
-            <a:spLocks noGrp="1"/>
-          </p:cNvSpPr>
-          <p:nvPr>
-            <p:ph type="title"/>
-          </p:nvPr>
-        </p:nvSpPr>
-        <p:spPr/>
-        <p:txBody>
-          <a:bodyPr>
-            <a:normAutofit/>
-          </a:bodyPr>
-          <a:lstStyle/>
-          <a:p>
-            <a:r>
-              <a:rPr lang="en-US" dirty="0" smtClean="0"/>
-              <a:t>what you will gain from this course</a:t>
-            </a:r>
-            <a:endParaRPr lang="en-US" dirty="0"/>
-          </a:p>
-        </p:txBody>
-      </p:sp>
-      <p:sp>
-        <p:nvSpPr>
-          <p:cNvPr id="3" name="Content Placeholder 2"/>
-          <p:cNvSpPr>
-            <a:spLocks noGrp="1"/>
-          </p:cNvSpPr>
-          <p:nvPr>
-            <p:ph idx="1"/>
-          </p:nvPr>
-        </p:nvSpPr>
-        <p:spPr/>
-        <p:txBody>
-          <a:bodyPr>
-            <a:normAutofit/>
-          </a:bodyPr>
-          <a:lstStyle/>
-          <a:p>
-            <a:pPr marL="342900" indent="-342900">
-              <a:buFont typeface="Arial"/>
-              <a:buChar char="•"/>
-            </a:pPr>
-            <a:r>
-              <a:rPr lang="en-US" sz="2400" dirty="0" smtClean="0"/>
-              <a:t>You will NOT learn Python (in just 4 afternoons)</a:t>
-            </a:r>
-          </a:p>
-          <a:p>
-            <a:pPr marL="342900" indent="-342900">
-              <a:buFont typeface="Arial"/>
-              <a:buChar char="•"/>
-            </a:pPr>
-            <a:r>
-              <a:rPr lang="en-US" sz="2400" dirty="0" smtClean="0"/>
-              <a:t>The idea is to give you the </a:t>
-            </a:r>
-            <a:r>
-              <a:rPr lang="en-US" sz="2400" i="1" dirty="0" smtClean="0"/>
-              <a:t>resources</a:t>
-            </a:r>
-            <a:r>
-              <a:rPr lang="en-US" sz="2400" dirty="0" smtClean="0"/>
-              <a:t> and the </a:t>
-            </a:r>
-            <a:r>
-              <a:rPr lang="en-US" sz="2400" i="1" dirty="0" smtClean="0"/>
-              <a:t>skills</a:t>
-            </a:r>
-            <a:r>
-              <a:rPr lang="en-US" sz="2400" dirty="0" smtClean="0"/>
-              <a:t> to continue learning and applying these concepts on your own</a:t>
-            </a:r>
-          </a:p>
-          <a:p>
-            <a:pPr marL="342900" indent="-342900">
-              <a:buFont typeface="Arial"/>
-              <a:buChar char="•"/>
-            </a:pPr>
-            <a:endParaRPr lang="en-US" sz="2400" dirty="0"/>
-          </a:p>
-        </p:txBody>
-      </p:sp>
-    </p:spTree>
-    <p:extLst>
-      <p:ext uri="{BB962C8B-B14F-4D97-AF65-F5344CB8AC3E}">
-        <p14:creationId xmlns:p14="http://schemas.microsoft.com/office/powerpoint/2010/main" val="4050301561"/>
-      </p:ext>
-    </p:extLst>
-  </p:cSld>
-  <p:clrMapOvr>
-    <a:masterClrMapping/>
-  </p:clrMapOvr>
-  <p:timing>
-    <p:tnLst>
-      <p:par>
-        <p:cTn xmlns:p14="http://schemas.microsoft.com/office/powerpoint/2010/main" id="1" dur="indefinite" restart="never" nodeType="tmRoot"/>
-      </p:par>
-    </p:tnLst>
-  </p:timing>
-</p:sld>
-</file>
-
-<file path=ppt/slides/slide40.xml><?xml version="1.0" encoding="utf-8"?>
+<file path=ppt/slides/slide39.xml><?xml version="1.0" encoding="utf-8"?>
 <p:sld xmlns:a="http://schemas.openxmlformats.org/drawingml/2006/main" xmlns:r="http://schemas.openxmlformats.org/officeDocument/2006/relationships" xmlns:p="http://schemas.openxmlformats.org/presentationml/2006/main">
   <p:cSld>
     <p:spTree>
@@ -13495,7 +13270,130 @@
 </p:sld>
 </file>
 
-<file path=ppt/slides/slide41.xml><?xml version="1.0" encoding="utf-8"?>
+<file path=ppt/slides/slide4.xml><?xml version="1.0" encoding="utf-8"?>
+<p:sld xmlns:a="http://schemas.openxmlformats.org/drawingml/2006/main" xmlns:r="http://schemas.openxmlformats.org/officeDocument/2006/relationships" xmlns:p="http://schemas.openxmlformats.org/presentationml/2006/main">
+  <p:cSld>
+    <p:spTree>
+      <p:nvGrpSpPr>
+        <p:cNvPr id="1" name=""/>
+        <p:cNvGrpSpPr/>
+        <p:nvPr/>
+      </p:nvGrpSpPr>
+      <p:grpSpPr>
+        <a:xfrm>
+          <a:off x="0" y="0"/>
+          <a:ext cx="0" cy="0"/>
+          <a:chOff x="0" y="0"/>
+          <a:chExt cx="0" cy="0"/>
+        </a:xfrm>
+      </p:grpSpPr>
+      <p:sp>
+        <p:nvSpPr>
+          <p:cNvPr id="2" name="Title 1"/>
+          <p:cNvSpPr>
+            <a:spLocks noGrp="1"/>
+          </p:cNvSpPr>
+          <p:nvPr>
+            <p:ph type="title"/>
+          </p:nvPr>
+        </p:nvSpPr>
+        <p:spPr/>
+        <p:txBody>
+          <a:bodyPr>
+            <a:normAutofit/>
+          </a:bodyPr>
+          <a:lstStyle/>
+          <a:p>
+            <a:r>
+              <a:rPr lang="en-US" dirty="0" smtClean="0"/>
+              <a:t>what you will gain from this course</a:t>
+            </a:r>
+            <a:endParaRPr lang="en-US" dirty="0"/>
+          </a:p>
+        </p:txBody>
+      </p:sp>
+      <p:sp>
+        <p:nvSpPr>
+          <p:cNvPr id="3" name="Content Placeholder 2"/>
+          <p:cNvSpPr>
+            <a:spLocks noGrp="1"/>
+          </p:cNvSpPr>
+          <p:nvPr>
+            <p:ph idx="1"/>
+          </p:nvPr>
+        </p:nvSpPr>
+        <p:spPr/>
+        <p:txBody>
+          <a:bodyPr>
+            <a:normAutofit/>
+          </a:bodyPr>
+          <a:lstStyle/>
+          <a:p>
+            <a:pPr marL="342900" indent="-342900">
+              <a:buFont typeface="Arial"/>
+              <a:buChar char="•"/>
+            </a:pPr>
+            <a:r>
+              <a:rPr lang="en-US" sz="2400" dirty="0" smtClean="0"/>
+              <a:t>You will NOT learn Python (in just 4 afternoons)</a:t>
+            </a:r>
+          </a:p>
+          <a:p>
+            <a:pPr marL="342900" indent="-342900">
+              <a:buFont typeface="Arial"/>
+              <a:buChar char="•"/>
+            </a:pPr>
+            <a:r>
+              <a:rPr lang="en-US" sz="2400" dirty="0" smtClean="0"/>
+              <a:t>The idea is to give you the </a:t>
+            </a:r>
+            <a:r>
+              <a:rPr lang="en-US" sz="2400" i="1" dirty="0" smtClean="0"/>
+              <a:t>resources</a:t>
+            </a:r>
+            <a:r>
+              <a:rPr lang="en-US" sz="2400" dirty="0" smtClean="0"/>
+              <a:t> and the </a:t>
+            </a:r>
+            <a:r>
+              <a:rPr lang="en-US" sz="2400" i="1" dirty="0" smtClean="0"/>
+              <a:t>skills</a:t>
+            </a:r>
+            <a:r>
+              <a:rPr lang="en-US" sz="2400" dirty="0" smtClean="0"/>
+              <a:t> to continue learning and applying these concepts on your own</a:t>
+            </a:r>
+          </a:p>
+          <a:p>
+            <a:pPr marL="342900" indent="-342900">
+              <a:buFont typeface="Arial"/>
+              <a:buChar char="•"/>
+            </a:pPr>
+            <a:endParaRPr lang="en-US" sz="2400" dirty="0"/>
+          </a:p>
+        </p:txBody>
+      </p:sp>
+    </p:spTree>
+    <p:extLst>
+      <p:ext uri="{BB962C8B-B14F-4D97-AF65-F5344CB8AC3E}">
+        <p14:creationId xmlns:p14="http://schemas.microsoft.com/office/powerpoint/2010/main" val="4050301561"/>
+      </p:ext>
+    </p:extLst>
+  </p:cSld>
+  <p:clrMapOvr>
+    <a:masterClrMapping/>
+  </p:clrMapOvr>
+  <p:timing>
+    <p:tnLst>
+      <p:par>
+        <p:cTn xmlns:p14="http://schemas.microsoft.com/office/powerpoint/2010/main" id="1" dur="indefinite" restart="never" nodeType="tmRoot"/>
+      </p:par>
+    </p:tnLst>
+  </p:timing>
+</p:sld>
+</file>
+
+<file path=ppt/slides/slide40.xml><?xml version="1.0" encoding="utf-8"?>
 <p:sld xmlns:a="http://schemas.openxmlformats.org/drawingml/2006/main" xmlns:r="http://schemas.openxmlformats.org/officeDocument/2006/relationships" xmlns:p="http://schemas.openxmlformats.org/presentationml/2006/main">
   <p:cSld>
     <p:spTree>
@@ -13991,7 +13889,7 @@
 </p:sld>
 </file>
 
-<file path=ppt/slides/slide42.xml><?xml version="1.0" encoding="utf-8"?>
+<file path=ppt/slides/slide41.xml><?xml version="1.0" encoding="utf-8"?>
 <p:sld xmlns:a="http://schemas.openxmlformats.org/drawingml/2006/main" xmlns:r="http://schemas.openxmlformats.org/officeDocument/2006/relationships" xmlns:p="http://schemas.openxmlformats.org/presentationml/2006/main">
   <p:cSld>
     <p:spTree>
@@ -14185,7 +14083,7 @@
 </p:sld>
 </file>
 
-<file path=ppt/slides/slide43.xml><?xml version="1.0" encoding="utf-8"?>
+<file path=ppt/slides/slide42.xml><?xml version="1.0" encoding="utf-8"?>
 <p:sld xmlns:a="http://schemas.openxmlformats.org/drawingml/2006/main" xmlns:r="http://schemas.openxmlformats.org/officeDocument/2006/relationships" xmlns:p="http://schemas.openxmlformats.org/presentationml/2006/main">
   <p:cSld>
     <p:spTree>
@@ -14804,7 +14702,7 @@
 </p:sld>
 </file>
 
-<file path=ppt/slides/slide44.xml><?xml version="1.0" encoding="utf-8"?>
+<file path=ppt/slides/slide43.xml><?xml version="1.0" encoding="utf-8"?>
 <p:sld xmlns:a="http://schemas.openxmlformats.org/drawingml/2006/main" xmlns:r="http://schemas.openxmlformats.org/officeDocument/2006/relationships" xmlns:p="http://schemas.openxmlformats.org/presentationml/2006/main">
   <p:cSld>
     <p:spTree>
@@ -15131,7 +15029,7 @@
 </p:sld>
 </file>
 
-<file path=ppt/slides/slide45.xml><?xml version="1.0" encoding="utf-8"?>
+<file path=ppt/slides/slide44.xml><?xml version="1.0" encoding="utf-8"?>
 <p:sld xmlns:a="http://schemas.openxmlformats.org/drawingml/2006/main" xmlns:r="http://schemas.openxmlformats.org/officeDocument/2006/relationships" xmlns:p="http://schemas.openxmlformats.org/presentationml/2006/main">
   <p:cSld>
     <p:spTree>
@@ -15328,6 +15226,71 @@
     <p:extLst>
       <p:ext uri="{BB962C8B-B14F-4D97-AF65-F5344CB8AC3E}">
         <p14:creationId xmlns:p14="http://schemas.microsoft.com/office/powerpoint/2010/main" val="4262099000"/>
+      </p:ext>
+    </p:extLst>
+  </p:cSld>
+  <p:clrMapOvr>
+    <a:masterClrMapping/>
+  </p:clrMapOvr>
+  <p:timing>
+    <p:tnLst>
+      <p:par>
+        <p:cTn xmlns:p14="http://schemas.microsoft.com/office/powerpoint/2010/main" id="1" dur="indefinite" restart="never" nodeType="tmRoot"/>
+      </p:par>
+    </p:tnLst>
+  </p:timing>
+</p:sld>
+</file>
+
+<file path=ppt/slides/slide45.xml><?xml version="1.0" encoding="utf-8"?>
+<p:sld xmlns:a="http://schemas.openxmlformats.org/drawingml/2006/main" xmlns:r="http://schemas.openxmlformats.org/officeDocument/2006/relationships" xmlns:p="http://schemas.openxmlformats.org/presentationml/2006/main">
+  <p:cSld>
+    <p:spTree>
+      <p:nvGrpSpPr>
+        <p:cNvPr id="1" name=""/>
+        <p:cNvGrpSpPr/>
+        <p:nvPr/>
+      </p:nvGrpSpPr>
+      <p:grpSpPr>
+        <a:xfrm>
+          <a:off x="0" y="0"/>
+          <a:ext cx="0" cy="0"/>
+          <a:chOff x="0" y="0"/>
+          <a:chExt cx="0" cy="0"/>
+        </a:xfrm>
+      </p:grpSpPr>
+      <p:sp>
+        <p:nvSpPr>
+          <p:cNvPr id="2" name="Title 1"/>
+          <p:cNvSpPr>
+            <a:spLocks noGrp="1"/>
+          </p:cNvSpPr>
+          <p:nvPr>
+            <p:ph type="title"/>
+          </p:nvPr>
+        </p:nvSpPr>
+        <p:spPr>
+          <a:xfrm>
+            <a:off x="2230714" y="3087537"/>
+            <a:ext cx="4688183" cy="692215"/>
+          </a:xfrm>
+        </p:spPr>
+        <p:txBody>
+          <a:bodyPr/>
+          <a:lstStyle/>
+          <a:p>
+            <a:r>
+              <a:rPr lang="en-US" dirty="0" smtClean="0"/>
+              <a:t>exercise break</a:t>
+            </a:r>
+            <a:endParaRPr lang="en-US" dirty="0"/>
+          </a:p>
+        </p:txBody>
+      </p:sp>
+    </p:spTree>
+    <p:extLst>
+      <p:ext uri="{BB962C8B-B14F-4D97-AF65-F5344CB8AC3E}">
+        <p14:creationId xmlns:p14="http://schemas.microsoft.com/office/powerpoint/2010/main" val="60689952"/>
       </p:ext>
     </p:extLst>
   </p:cSld>
@@ -15371,71 +15334,6 @@
             <p:ph type="title"/>
           </p:nvPr>
         </p:nvSpPr>
-        <p:spPr>
-          <a:xfrm>
-            <a:off x="2230714" y="3087537"/>
-            <a:ext cx="4688183" cy="692215"/>
-          </a:xfrm>
-        </p:spPr>
-        <p:txBody>
-          <a:bodyPr/>
-          <a:lstStyle/>
-          <a:p>
-            <a:r>
-              <a:rPr lang="en-US" dirty="0" smtClean="0"/>
-              <a:t>exercise break</a:t>
-            </a:r>
-            <a:endParaRPr lang="en-US" dirty="0"/>
-          </a:p>
-        </p:txBody>
-      </p:sp>
-    </p:spTree>
-    <p:extLst>
-      <p:ext uri="{BB962C8B-B14F-4D97-AF65-F5344CB8AC3E}">
-        <p14:creationId xmlns:p14="http://schemas.microsoft.com/office/powerpoint/2010/main" val="60689952"/>
-      </p:ext>
-    </p:extLst>
-  </p:cSld>
-  <p:clrMapOvr>
-    <a:masterClrMapping/>
-  </p:clrMapOvr>
-  <p:timing>
-    <p:tnLst>
-      <p:par>
-        <p:cTn xmlns:p14="http://schemas.microsoft.com/office/powerpoint/2010/main" id="1" dur="indefinite" restart="never" nodeType="tmRoot"/>
-      </p:par>
-    </p:tnLst>
-  </p:timing>
-</p:sld>
-</file>
-
-<file path=ppt/slides/slide47.xml><?xml version="1.0" encoding="utf-8"?>
-<p:sld xmlns:a="http://schemas.openxmlformats.org/drawingml/2006/main" xmlns:r="http://schemas.openxmlformats.org/officeDocument/2006/relationships" xmlns:p="http://schemas.openxmlformats.org/presentationml/2006/main">
-  <p:cSld>
-    <p:spTree>
-      <p:nvGrpSpPr>
-        <p:cNvPr id="1" name=""/>
-        <p:cNvGrpSpPr/>
-        <p:nvPr/>
-      </p:nvGrpSpPr>
-      <p:grpSpPr>
-        <a:xfrm>
-          <a:off x="0" y="0"/>
-          <a:ext cx="0" cy="0"/>
-          <a:chOff x="0" y="0"/>
-          <a:chExt cx="0" cy="0"/>
-        </a:xfrm>
-      </p:grpSpPr>
-      <p:sp>
-        <p:nvSpPr>
-          <p:cNvPr id="2" name="Title 1"/>
-          <p:cNvSpPr>
-            <a:spLocks noGrp="1"/>
-          </p:cNvSpPr>
-          <p:nvPr>
-            <p:ph type="title"/>
-          </p:nvPr>
-        </p:nvSpPr>
         <p:spPr/>
         <p:txBody>
           <a:bodyPr/>
@@ -15526,7 +15424,7 @@
 </p:sld>
 </file>
 
-<file path=ppt/slides/slide48.xml><?xml version="1.0" encoding="utf-8"?>
+<file path=ppt/slides/slide47.xml><?xml version="1.0" encoding="utf-8"?>
 <p:sld xmlns:a="http://schemas.openxmlformats.org/drawingml/2006/main" xmlns:r="http://schemas.openxmlformats.org/officeDocument/2006/relationships" xmlns:p="http://schemas.openxmlformats.org/presentationml/2006/main">
   <p:cSld>
     <p:spTree>
@@ -15798,7 +15696,7 @@
 </p:sld>
 </file>
 
-<file path=ppt/slides/slide49.xml><?xml version="1.0" encoding="utf-8"?>
+<file path=ppt/slides/slide48.xml><?xml version="1.0" encoding="utf-8"?>
 <p:sld xmlns:a="http://schemas.openxmlformats.org/drawingml/2006/main" xmlns:r="http://schemas.openxmlformats.org/officeDocument/2006/relationships" xmlns:p="http://schemas.openxmlformats.org/presentationml/2006/main">
   <p:cSld>
     <p:spTree>
@@ -16178,147 +16076,7 @@
 </p:sld>
 </file>
 
-<file path=ppt/slides/slide5.xml><?xml version="1.0" encoding="utf-8"?>
-<p:sld xmlns:a="http://schemas.openxmlformats.org/drawingml/2006/main" xmlns:r="http://schemas.openxmlformats.org/officeDocument/2006/relationships" xmlns:p="http://schemas.openxmlformats.org/presentationml/2006/main">
-  <p:cSld>
-    <p:spTree>
-      <p:nvGrpSpPr>
-        <p:cNvPr id="1" name=""/>
-        <p:cNvGrpSpPr/>
-        <p:nvPr/>
-      </p:nvGrpSpPr>
-      <p:grpSpPr>
-        <a:xfrm>
-          <a:off x="0" y="0"/>
-          <a:ext cx="0" cy="0"/>
-          <a:chOff x="0" y="0"/>
-          <a:chExt cx="0" cy="0"/>
-        </a:xfrm>
-      </p:grpSpPr>
-      <p:sp>
-        <p:nvSpPr>
-          <p:cNvPr id="2" name="Title 1"/>
-          <p:cNvSpPr>
-            <a:spLocks noGrp="1"/>
-          </p:cNvSpPr>
-          <p:nvPr>
-            <p:ph type="title"/>
-          </p:nvPr>
-        </p:nvSpPr>
-        <p:spPr/>
-        <p:txBody>
-          <a:bodyPr>
-            <a:normAutofit/>
-          </a:bodyPr>
-          <a:lstStyle/>
-          <a:p>
-            <a:r>
-              <a:rPr lang="en-US" dirty="0" smtClean="0"/>
-              <a:t>what you will gain from this course</a:t>
-            </a:r>
-            <a:endParaRPr lang="en-US" dirty="0"/>
-          </a:p>
-        </p:txBody>
-      </p:sp>
-      <p:sp>
-        <p:nvSpPr>
-          <p:cNvPr id="3" name="Content Placeholder 2"/>
-          <p:cNvSpPr>
-            <a:spLocks noGrp="1"/>
-          </p:cNvSpPr>
-          <p:nvPr>
-            <p:ph idx="1"/>
-          </p:nvPr>
-        </p:nvSpPr>
-        <p:spPr/>
-        <p:txBody>
-          <a:bodyPr>
-            <a:normAutofit/>
-          </a:bodyPr>
-          <a:lstStyle/>
-          <a:p>
-            <a:pPr marL="342900" indent="-342900">
-              <a:buFont typeface="Arial"/>
-              <a:buChar char="•"/>
-            </a:pPr>
-            <a:r>
-              <a:rPr lang="en-US" sz="2400" dirty="0" smtClean="0"/>
-              <a:t>You will NOT learn Python (in just 4 afternoons)</a:t>
-            </a:r>
-          </a:p>
-          <a:p>
-            <a:pPr marL="342900" indent="-342900">
-              <a:buFont typeface="Arial"/>
-              <a:buChar char="•"/>
-            </a:pPr>
-            <a:r>
-              <a:rPr lang="en-US" sz="2400" dirty="0" smtClean="0"/>
-              <a:t>The idea is to give you the </a:t>
-            </a:r>
-            <a:r>
-              <a:rPr lang="en-US" sz="2400" i="1" dirty="0" smtClean="0"/>
-              <a:t>resources</a:t>
-            </a:r>
-            <a:r>
-              <a:rPr lang="en-US" sz="2400" dirty="0" smtClean="0"/>
-              <a:t> and the </a:t>
-            </a:r>
-            <a:r>
-              <a:rPr lang="en-US" sz="2400" i="1" dirty="0" smtClean="0"/>
-              <a:t>skills</a:t>
-            </a:r>
-            <a:r>
-              <a:rPr lang="en-US" sz="2400" dirty="0" smtClean="0"/>
-              <a:t> to continue learning and applying these concepts on your own</a:t>
-            </a:r>
-          </a:p>
-          <a:p>
-            <a:pPr marL="342900" indent="-342900">
-              <a:buFont typeface="Arial"/>
-              <a:buChar char="•"/>
-            </a:pPr>
-            <a:endParaRPr lang="en-US" sz="2400" dirty="0"/>
-          </a:p>
-          <a:p>
-            <a:pPr marL="342900" indent="-342900">
-              <a:buFont typeface="Arial"/>
-              <a:buChar char="•"/>
-            </a:pPr>
-            <a:r>
-              <a:rPr lang="en-US" sz="2400" dirty="0" smtClean="0"/>
-              <a:t>…Ok, you’ll learn some Python </a:t>
-            </a:r>
-            <a:r>
-              <a:rPr lang="en-US" sz="2400" dirty="0" smtClean="0">
-                <a:sym typeface="Wingdings"/>
-              </a:rPr>
-              <a:t></a:t>
-            </a:r>
-            <a:endParaRPr lang="en-US" sz="2400" dirty="0" smtClean="0"/>
-          </a:p>
-        </p:txBody>
-      </p:sp>
-    </p:spTree>
-    <p:extLst>
-      <p:ext uri="{BB962C8B-B14F-4D97-AF65-F5344CB8AC3E}">
-        <p14:creationId xmlns:p14="http://schemas.microsoft.com/office/powerpoint/2010/main" val="3180793950"/>
-      </p:ext>
-    </p:extLst>
-  </p:cSld>
-  <p:clrMapOvr>
-    <a:masterClrMapping/>
-  </p:clrMapOvr>
-  <p:timing>
-    <p:tnLst>
-      <p:par>
-        <p:cTn xmlns:p14="http://schemas.microsoft.com/office/powerpoint/2010/main" id="1" dur="indefinite" restart="never" nodeType="tmRoot"/>
-      </p:par>
-    </p:tnLst>
-  </p:timing>
-</p:sld>
-</file>
-
-<file path=ppt/slides/slide50.xml><?xml version="1.0" encoding="utf-8"?>
+<file path=ppt/slides/slide49.xml><?xml version="1.0" encoding="utf-8"?>
 <p:sld xmlns:a="http://schemas.openxmlformats.org/drawingml/2006/main" xmlns:r="http://schemas.openxmlformats.org/officeDocument/2006/relationships" xmlns:p="http://schemas.openxmlformats.org/presentationml/2006/main">
   <p:cSld>
     <p:spTree>
@@ -17479,7 +17237,147 @@
 </p:sld>
 </file>
 
-<file path=ppt/slides/slide51.xml><?xml version="1.0" encoding="utf-8"?>
+<file path=ppt/slides/slide5.xml><?xml version="1.0" encoding="utf-8"?>
+<p:sld xmlns:a="http://schemas.openxmlformats.org/drawingml/2006/main" xmlns:r="http://schemas.openxmlformats.org/officeDocument/2006/relationships" xmlns:p="http://schemas.openxmlformats.org/presentationml/2006/main">
+  <p:cSld>
+    <p:spTree>
+      <p:nvGrpSpPr>
+        <p:cNvPr id="1" name=""/>
+        <p:cNvGrpSpPr/>
+        <p:nvPr/>
+      </p:nvGrpSpPr>
+      <p:grpSpPr>
+        <a:xfrm>
+          <a:off x="0" y="0"/>
+          <a:ext cx="0" cy="0"/>
+          <a:chOff x="0" y="0"/>
+          <a:chExt cx="0" cy="0"/>
+        </a:xfrm>
+      </p:grpSpPr>
+      <p:sp>
+        <p:nvSpPr>
+          <p:cNvPr id="2" name="Title 1"/>
+          <p:cNvSpPr>
+            <a:spLocks noGrp="1"/>
+          </p:cNvSpPr>
+          <p:nvPr>
+            <p:ph type="title"/>
+          </p:nvPr>
+        </p:nvSpPr>
+        <p:spPr/>
+        <p:txBody>
+          <a:bodyPr>
+            <a:normAutofit/>
+          </a:bodyPr>
+          <a:lstStyle/>
+          <a:p>
+            <a:r>
+              <a:rPr lang="en-US" dirty="0" smtClean="0"/>
+              <a:t>what you will gain from this course</a:t>
+            </a:r>
+            <a:endParaRPr lang="en-US" dirty="0"/>
+          </a:p>
+        </p:txBody>
+      </p:sp>
+      <p:sp>
+        <p:nvSpPr>
+          <p:cNvPr id="3" name="Content Placeholder 2"/>
+          <p:cNvSpPr>
+            <a:spLocks noGrp="1"/>
+          </p:cNvSpPr>
+          <p:nvPr>
+            <p:ph idx="1"/>
+          </p:nvPr>
+        </p:nvSpPr>
+        <p:spPr/>
+        <p:txBody>
+          <a:bodyPr>
+            <a:normAutofit/>
+          </a:bodyPr>
+          <a:lstStyle/>
+          <a:p>
+            <a:pPr marL="342900" indent="-342900">
+              <a:buFont typeface="Arial"/>
+              <a:buChar char="•"/>
+            </a:pPr>
+            <a:r>
+              <a:rPr lang="en-US" sz="2400" dirty="0" smtClean="0"/>
+              <a:t>You will NOT learn Python (in just 4 afternoons)</a:t>
+            </a:r>
+          </a:p>
+          <a:p>
+            <a:pPr marL="342900" indent="-342900">
+              <a:buFont typeface="Arial"/>
+              <a:buChar char="•"/>
+            </a:pPr>
+            <a:r>
+              <a:rPr lang="en-US" sz="2400" dirty="0" smtClean="0"/>
+              <a:t>The idea is to give you the </a:t>
+            </a:r>
+            <a:r>
+              <a:rPr lang="en-US" sz="2400" i="1" dirty="0" smtClean="0"/>
+              <a:t>resources</a:t>
+            </a:r>
+            <a:r>
+              <a:rPr lang="en-US" sz="2400" dirty="0" smtClean="0"/>
+              <a:t> and the </a:t>
+            </a:r>
+            <a:r>
+              <a:rPr lang="en-US" sz="2400" i="1" dirty="0" smtClean="0"/>
+              <a:t>skills</a:t>
+            </a:r>
+            <a:r>
+              <a:rPr lang="en-US" sz="2400" dirty="0" smtClean="0"/>
+              <a:t> to continue learning and applying these concepts on your own</a:t>
+            </a:r>
+          </a:p>
+          <a:p>
+            <a:pPr marL="342900" indent="-342900">
+              <a:buFont typeface="Arial"/>
+              <a:buChar char="•"/>
+            </a:pPr>
+            <a:endParaRPr lang="en-US" sz="2400" dirty="0"/>
+          </a:p>
+          <a:p>
+            <a:pPr marL="342900" indent="-342900">
+              <a:buFont typeface="Arial"/>
+              <a:buChar char="•"/>
+            </a:pPr>
+            <a:r>
+              <a:rPr lang="en-US" sz="2400" dirty="0" smtClean="0"/>
+              <a:t>…Ok, you’ll learn some Python </a:t>
+            </a:r>
+            <a:r>
+              <a:rPr lang="en-US" sz="2400" dirty="0" smtClean="0">
+                <a:sym typeface="Wingdings"/>
+              </a:rPr>
+              <a:t></a:t>
+            </a:r>
+            <a:endParaRPr lang="en-US" sz="2400" dirty="0" smtClean="0"/>
+          </a:p>
+        </p:txBody>
+      </p:sp>
+    </p:spTree>
+    <p:extLst>
+      <p:ext uri="{BB962C8B-B14F-4D97-AF65-F5344CB8AC3E}">
+        <p14:creationId xmlns:p14="http://schemas.microsoft.com/office/powerpoint/2010/main" val="3180793950"/>
+      </p:ext>
+    </p:extLst>
+  </p:cSld>
+  <p:clrMapOvr>
+    <a:masterClrMapping/>
+  </p:clrMapOvr>
+  <p:timing>
+    <p:tnLst>
+      <p:par>
+        <p:cTn xmlns:p14="http://schemas.microsoft.com/office/powerpoint/2010/main" id="1" dur="indefinite" restart="never" nodeType="tmRoot"/>
+      </p:par>
+    </p:tnLst>
+  </p:timing>
+</p:sld>
+</file>
+
+<file path=ppt/slides/slide50.xml><?xml version="1.0" encoding="utf-8"?>
 <p:sld xmlns:a="http://schemas.openxmlformats.org/drawingml/2006/main" xmlns:r="http://schemas.openxmlformats.org/officeDocument/2006/relationships" xmlns:p="http://schemas.openxmlformats.org/presentationml/2006/main">
   <p:cSld>
     <p:spTree>
@@ -18231,7 +18129,7 @@
 </p:sld>
 </file>
 
-<file path=ppt/slides/slide52.xml><?xml version="1.0" encoding="utf-8"?>
+<file path=ppt/slides/slide51.xml><?xml version="1.0" encoding="utf-8"?>
 <p:sld xmlns:a="http://schemas.openxmlformats.org/drawingml/2006/main" xmlns:r="http://schemas.openxmlformats.org/officeDocument/2006/relationships" xmlns:p="http://schemas.openxmlformats.org/presentationml/2006/main">
   <p:cSld>
     <p:spTree>
@@ -18585,652 +18483,7 @@
 </p:sld>
 </file>
 
-<file path=ppt/slides/slide53.xml><?xml version="1.0" encoding="utf-8"?>
-<p:sld xmlns:a="http://schemas.openxmlformats.org/drawingml/2006/main" xmlns:r="http://schemas.openxmlformats.org/officeDocument/2006/relationships" xmlns:p="http://schemas.openxmlformats.org/presentationml/2006/main" show="0">
-  <p:cSld>
-    <p:spTree>
-      <p:nvGrpSpPr>
-        <p:cNvPr id="1" name=""/>
-        <p:cNvGrpSpPr/>
-        <p:nvPr/>
-      </p:nvGrpSpPr>
-      <p:grpSpPr>
-        <a:xfrm>
-          <a:off x="0" y="0"/>
-          <a:ext cx="0" cy="0"/>
-          <a:chOff x="0" y="0"/>
-          <a:chExt cx="0" cy="0"/>
-        </a:xfrm>
-      </p:grpSpPr>
-      <p:sp>
-        <p:nvSpPr>
-          <p:cNvPr id="2" name="Title 1"/>
-          <p:cNvSpPr>
-            <a:spLocks noGrp="1"/>
-          </p:cNvSpPr>
-          <p:nvPr>
-            <p:ph type="title"/>
-          </p:nvPr>
-        </p:nvSpPr>
-        <p:spPr/>
-        <p:txBody>
-          <a:bodyPr/>
-          <a:lstStyle/>
-          <a:p>
-            <a:r>
-              <a:rPr lang="en-US" dirty="0" smtClean="0"/>
-              <a:t>strings are immutable</a:t>
-            </a:r>
-            <a:endParaRPr lang="en-US" dirty="0"/>
-          </a:p>
-        </p:txBody>
-      </p:sp>
-      <p:sp>
-        <p:nvSpPr>
-          <p:cNvPr id="4" name="TextBox 3"/>
-          <p:cNvSpPr txBox="1"/>
-          <p:nvPr/>
-        </p:nvSpPr>
-        <p:spPr>
-          <a:xfrm>
-            <a:off x="521555" y="1652227"/>
-            <a:ext cx="8021678" cy="3693319"/>
-          </a:xfrm>
-          <a:prstGeom prst="rect">
-            <a:avLst/>
-          </a:prstGeom>
-          <a:noFill/>
-        </p:spPr>
-        <p:txBody>
-          <a:bodyPr wrap="square" rtlCol="0">
-            <a:spAutoFit/>
-          </a:bodyPr>
-          <a:lstStyle/>
-          <a:p>
-            <a:r>
-              <a:rPr lang="en-US" dirty="0" smtClean="0">
-                <a:latin typeface="Monaco"/>
-                <a:cs typeface="Monaco"/>
-              </a:rPr>
-              <a:t># Strings *will not* change when methods are called</a:t>
-            </a:r>
-          </a:p>
-          <a:p>
-            <a:r>
-              <a:rPr lang="en-US" dirty="0" smtClean="0">
-                <a:latin typeface="Monaco"/>
-                <a:cs typeface="Monaco"/>
-              </a:rPr>
-              <a:t>s = "example"</a:t>
-            </a:r>
-          </a:p>
-          <a:p>
-            <a:r>
-              <a:rPr lang="en-US" dirty="0" err="1" smtClean="0">
-                <a:latin typeface="Monaco"/>
-                <a:cs typeface="Monaco"/>
-              </a:rPr>
-              <a:t>s.upper</a:t>
-            </a:r>
-            <a:r>
-              <a:rPr lang="en-US" dirty="0" smtClean="0">
-                <a:latin typeface="Monaco"/>
-                <a:cs typeface="Monaco"/>
-              </a:rPr>
-              <a:t>()</a:t>
-            </a:r>
-          </a:p>
-          <a:p>
-            <a:r>
-              <a:rPr lang="en-US" dirty="0" smtClean="0">
-                <a:latin typeface="Monaco"/>
-                <a:cs typeface="Monaco"/>
-              </a:rPr>
-              <a:t>print s</a:t>
-            </a:r>
-          </a:p>
-          <a:p>
-            <a:r>
-              <a:rPr lang="en-US" dirty="0">
-                <a:latin typeface="Monaco"/>
-                <a:cs typeface="Monaco"/>
-              </a:rPr>
-              <a:t> </a:t>
-            </a:r>
-            <a:r>
-              <a:rPr lang="en-US" dirty="0" smtClean="0">
-                <a:latin typeface="Monaco"/>
-                <a:cs typeface="Monaco"/>
-              </a:rPr>
-              <a:t>   </a:t>
-            </a:r>
-            <a:r>
-              <a:rPr lang="en-US" dirty="0" smtClean="0">
-                <a:solidFill>
-                  <a:schemeClr val="bg1">
-                    <a:lumMod val="65000"/>
-                  </a:schemeClr>
-                </a:solidFill>
-                <a:latin typeface="Monaco"/>
-                <a:cs typeface="Monaco"/>
-              </a:rPr>
-              <a:t>example</a:t>
-            </a:r>
-          </a:p>
-          <a:p>
-            <a:endParaRPr lang="en-US" dirty="0">
-              <a:solidFill>
-                <a:schemeClr val="bg1">
-                  <a:lumMod val="65000"/>
-                </a:schemeClr>
-              </a:solidFill>
-              <a:latin typeface="Monaco"/>
-              <a:cs typeface="Monaco"/>
-            </a:endParaRPr>
-          </a:p>
-          <a:p>
-            <a:r>
-              <a:rPr lang="en-US" dirty="0" smtClean="0">
-                <a:latin typeface="Monaco"/>
-                <a:cs typeface="Monaco"/>
-              </a:rPr>
-              <a:t># But if we re-define s when calling .upper()... </a:t>
-            </a:r>
-          </a:p>
-          <a:p>
-            <a:r>
-              <a:rPr lang="en-US" dirty="0" smtClean="0">
-                <a:latin typeface="Monaco"/>
-                <a:cs typeface="Monaco"/>
-              </a:rPr>
-              <a:t>s = </a:t>
-            </a:r>
-            <a:r>
-              <a:rPr lang="en-US" dirty="0" err="1" smtClean="0">
-                <a:latin typeface="Monaco"/>
-                <a:cs typeface="Monaco"/>
-              </a:rPr>
-              <a:t>s.upper</a:t>
-            </a:r>
-            <a:r>
-              <a:rPr lang="en-US" dirty="0" smtClean="0">
-                <a:latin typeface="Monaco"/>
-                <a:cs typeface="Monaco"/>
-              </a:rPr>
-              <a:t>()</a:t>
-            </a:r>
-          </a:p>
-          <a:p>
-            <a:r>
-              <a:rPr lang="en-US" dirty="0" smtClean="0">
-                <a:latin typeface="Monaco"/>
-                <a:cs typeface="Monaco"/>
-              </a:rPr>
-              <a:t>print s</a:t>
-            </a:r>
-          </a:p>
-          <a:p>
-            <a:r>
-              <a:rPr lang="en-US" dirty="0">
-                <a:solidFill>
-                  <a:schemeClr val="bg1">
-                    <a:lumMod val="65000"/>
-                  </a:schemeClr>
-                </a:solidFill>
-                <a:latin typeface="Monaco"/>
-                <a:cs typeface="Monaco"/>
-              </a:rPr>
-              <a:t> </a:t>
-            </a:r>
-            <a:r>
-              <a:rPr lang="en-US" dirty="0" smtClean="0">
-                <a:solidFill>
-                  <a:schemeClr val="bg1">
-                    <a:lumMod val="65000"/>
-                  </a:schemeClr>
-                </a:solidFill>
-                <a:latin typeface="Monaco"/>
-                <a:cs typeface="Monaco"/>
-              </a:rPr>
-              <a:t>   EXAMPLE</a:t>
-            </a:r>
-          </a:p>
-          <a:p>
-            <a:endParaRPr lang="en-US" dirty="0">
-              <a:solidFill>
-                <a:schemeClr val="bg1">
-                  <a:lumMod val="65000"/>
-                </a:schemeClr>
-              </a:solidFill>
-              <a:latin typeface="Monaco"/>
-              <a:cs typeface="Monaco"/>
-            </a:endParaRPr>
-          </a:p>
-          <a:p>
-            <a:r>
-              <a:rPr lang="en-US" dirty="0">
-                <a:latin typeface="Monaco"/>
-                <a:cs typeface="Monaco"/>
-              </a:rPr>
-              <a:t># </a:t>
-            </a:r>
-            <a:r>
-              <a:rPr lang="en-US" dirty="0" smtClean="0">
-                <a:latin typeface="Monaco"/>
-                <a:cs typeface="Monaco"/>
-              </a:rPr>
-              <a:t>We'll get *an error* if we try too much</a:t>
-            </a:r>
-          </a:p>
-          <a:p>
-            <a:r>
-              <a:rPr lang="en-US" dirty="0" smtClean="0">
-                <a:latin typeface="Monaco"/>
-                <a:cs typeface="Monaco"/>
-              </a:rPr>
-              <a:t>s[2] = "A"</a:t>
-            </a:r>
-          </a:p>
-        </p:txBody>
-      </p:sp>
-      <p:sp>
-        <p:nvSpPr>
-          <p:cNvPr id="5" name="TextBox 4"/>
-          <p:cNvSpPr txBox="1"/>
-          <p:nvPr/>
-        </p:nvSpPr>
-        <p:spPr>
-          <a:xfrm>
-            <a:off x="585515" y="5345546"/>
-            <a:ext cx="8634604" cy="646331"/>
-          </a:xfrm>
-          <a:prstGeom prst="rect">
-            <a:avLst/>
-          </a:prstGeom>
-          <a:noFill/>
-        </p:spPr>
-        <p:txBody>
-          <a:bodyPr wrap="square" rtlCol="0">
-            <a:spAutoFit/>
-          </a:bodyPr>
-          <a:lstStyle/>
-          <a:p>
-            <a:r>
-              <a:rPr lang="en-US" dirty="0" err="1" smtClean="0">
-                <a:solidFill>
-                  <a:schemeClr val="tx2"/>
-                </a:solidFill>
-                <a:latin typeface="Monaco"/>
-                <a:cs typeface="Monaco"/>
-              </a:rPr>
-              <a:t>Traceback</a:t>
-            </a:r>
-            <a:r>
-              <a:rPr lang="en-US" dirty="0" smtClean="0">
-                <a:solidFill>
-                  <a:schemeClr val="tx2"/>
-                </a:solidFill>
-                <a:latin typeface="Monaco"/>
-                <a:cs typeface="Monaco"/>
-              </a:rPr>
-              <a:t> </a:t>
-            </a:r>
-            <a:r>
-              <a:rPr lang="en-US" dirty="0">
-                <a:solidFill>
-                  <a:schemeClr val="tx2"/>
-                </a:solidFill>
-                <a:latin typeface="Monaco"/>
-                <a:cs typeface="Monaco"/>
-              </a:rPr>
-              <a:t>(most recent call last):</a:t>
-            </a:r>
-          </a:p>
-          <a:p>
-            <a:r>
-              <a:rPr lang="en-US" dirty="0">
-                <a:solidFill>
-                  <a:schemeClr val="tx2"/>
-                </a:solidFill>
-                <a:latin typeface="Monaco"/>
-                <a:cs typeface="Monaco"/>
-              </a:rPr>
-              <a:t>  </a:t>
-            </a:r>
-            <a:r>
-              <a:rPr lang="en-US" dirty="0" err="1">
-                <a:solidFill>
-                  <a:schemeClr val="tx2"/>
-                </a:solidFill>
-                <a:latin typeface="Monaco"/>
-                <a:cs typeface="Monaco"/>
-              </a:rPr>
-              <a:t>TypeError</a:t>
-            </a:r>
-            <a:r>
-              <a:rPr lang="en-US" dirty="0">
-                <a:solidFill>
-                  <a:schemeClr val="tx2"/>
-                </a:solidFill>
-                <a:latin typeface="Monaco"/>
-                <a:cs typeface="Monaco"/>
-              </a:rPr>
-              <a:t>: '</a:t>
-            </a:r>
-            <a:r>
-              <a:rPr lang="en-US" dirty="0" err="1">
-                <a:solidFill>
-                  <a:schemeClr val="tx2"/>
-                </a:solidFill>
-                <a:latin typeface="Monaco"/>
-                <a:cs typeface="Monaco"/>
-              </a:rPr>
-              <a:t>str</a:t>
-            </a:r>
-            <a:r>
-              <a:rPr lang="en-US" dirty="0">
-                <a:solidFill>
-                  <a:schemeClr val="tx2"/>
-                </a:solidFill>
-                <a:latin typeface="Monaco"/>
-                <a:cs typeface="Monaco"/>
-              </a:rPr>
-              <a:t>' object does not support item </a:t>
-            </a:r>
-            <a:r>
-              <a:rPr lang="en-US" dirty="0" smtClean="0">
-                <a:solidFill>
-                  <a:schemeClr val="tx2"/>
-                </a:solidFill>
-                <a:latin typeface="Monaco"/>
-                <a:cs typeface="Monaco"/>
-              </a:rPr>
-              <a:t>assignment</a:t>
-            </a:r>
-            <a:endParaRPr lang="en-US" dirty="0"/>
-          </a:p>
-        </p:txBody>
-      </p:sp>
-    </p:spTree>
-    <p:extLst>
-      <p:ext uri="{BB962C8B-B14F-4D97-AF65-F5344CB8AC3E}">
-        <p14:creationId xmlns:p14="http://schemas.microsoft.com/office/powerpoint/2010/main" val="1535974828"/>
-      </p:ext>
-    </p:extLst>
-  </p:cSld>
-  <p:clrMapOvr>
-    <a:masterClrMapping/>
-  </p:clrMapOvr>
-  <mc:AlternateContent xmlns:mc="http://schemas.openxmlformats.org/markup-compatibility/2006">
-    <mc:Choice xmlns:p14="http://schemas.microsoft.com/office/powerpoint/2010/main" Requires="p14">
-      <p:transition spd="slow" p14:dur="2000"/>
-    </mc:Choice>
-    <mc:Fallback>
-      <p:transition xmlns:p14="http://schemas.microsoft.com/office/powerpoint/2010/main" spd="slow"/>
-    </mc:Fallback>
-  </mc:AlternateContent>
-  <p:timing>
-    <p:tnLst>
-      <p:par>
-        <p:cTn xmlns:p14="http://schemas.microsoft.com/office/powerpoint/2010/main" id="1" dur="indefinite" restart="never" nodeType="tmRoot"/>
-      </p:par>
-    </p:tnLst>
-  </p:timing>
-</p:sld>
-</file>
-
-<file path=ppt/slides/slide54.xml><?xml version="1.0" encoding="utf-8"?>
-<p:sld xmlns:a="http://schemas.openxmlformats.org/drawingml/2006/main" xmlns:r="http://schemas.openxmlformats.org/officeDocument/2006/relationships" xmlns:p="http://schemas.openxmlformats.org/presentationml/2006/main" show="0">
-  <p:cSld>
-    <p:spTree>
-      <p:nvGrpSpPr>
-        <p:cNvPr id="1" name=""/>
-        <p:cNvGrpSpPr/>
-        <p:nvPr/>
-      </p:nvGrpSpPr>
-      <p:grpSpPr>
-        <a:xfrm>
-          <a:off x="0" y="0"/>
-          <a:ext cx="0" cy="0"/>
-          <a:chOff x="0" y="0"/>
-          <a:chExt cx="0" cy="0"/>
-        </a:xfrm>
-      </p:grpSpPr>
-      <p:sp>
-        <p:nvSpPr>
-          <p:cNvPr id="2" name="Title 1"/>
-          <p:cNvSpPr>
-            <a:spLocks noGrp="1"/>
-          </p:cNvSpPr>
-          <p:nvPr>
-            <p:ph type="title"/>
-          </p:nvPr>
-        </p:nvSpPr>
-        <p:spPr/>
-        <p:txBody>
-          <a:bodyPr/>
-          <a:lstStyle/>
-          <a:p>
-            <a:r>
-              <a:rPr lang="en-US" dirty="0" smtClean="0"/>
-              <a:t>lists are mutable</a:t>
-            </a:r>
-            <a:endParaRPr lang="en-US" dirty="0"/>
-          </a:p>
-        </p:txBody>
-      </p:sp>
-      <p:sp>
-        <p:nvSpPr>
-          <p:cNvPr id="4" name="TextBox 3"/>
-          <p:cNvSpPr txBox="1"/>
-          <p:nvPr/>
-        </p:nvSpPr>
-        <p:spPr>
-          <a:xfrm>
-            <a:off x="521555" y="1652227"/>
-            <a:ext cx="8021678" cy="3416320"/>
-          </a:xfrm>
-          <a:prstGeom prst="rect">
-            <a:avLst/>
-          </a:prstGeom>
-          <a:noFill/>
-        </p:spPr>
-        <p:txBody>
-          <a:bodyPr wrap="square" rtlCol="0">
-            <a:spAutoFit/>
-          </a:bodyPr>
-          <a:lstStyle/>
-          <a:p>
-            <a:r>
-              <a:rPr lang="en-US" dirty="0" smtClean="0">
-                <a:latin typeface="Monaco"/>
-                <a:cs typeface="Monaco"/>
-              </a:rPr>
-              <a:t># Lists *will* change when methods are called</a:t>
-            </a:r>
-          </a:p>
-          <a:p>
-            <a:r>
-              <a:rPr lang="en-US" dirty="0">
-                <a:latin typeface="Monaco"/>
-                <a:cs typeface="Monaco"/>
-              </a:rPr>
-              <a:t>f = [1, 2, 3]</a:t>
-            </a:r>
-          </a:p>
-          <a:p>
-            <a:r>
-              <a:rPr lang="en-US" dirty="0" err="1">
-                <a:latin typeface="Monaco"/>
-                <a:cs typeface="Monaco"/>
-              </a:rPr>
-              <a:t>f.append</a:t>
-            </a:r>
-            <a:r>
-              <a:rPr lang="en-US" dirty="0">
-                <a:latin typeface="Monaco"/>
-                <a:cs typeface="Monaco"/>
-              </a:rPr>
-              <a:t>(4)</a:t>
-            </a:r>
-          </a:p>
-          <a:p>
-            <a:r>
-              <a:rPr lang="en-US" dirty="0">
-                <a:latin typeface="Monaco"/>
-                <a:cs typeface="Monaco"/>
-              </a:rPr>
-              <a:t>print f</a:t>
-            </a:r>
-          </a:p>
-          <a:p>
-            <a:r>
-              <a:rPr lang="en-US" dirty="0">
-                <a:solidFill>
-                  <a:srgbClr val="A6A6A6"/>
-                </a:solidFill>
-                <a:latin typeface="Monaco"/>
-                <a:cs typeface="Monaco"/>
-              </a:rPr>
-              <a:t>	[1, 2, 3, 4</a:t>
-            </a:r>
-            <a:r>
-              <a:rPr lang="en-US" dirty="0" smtClean="0">
-                <a:solidFill>
-                  <a:srgbClr val="A6A6A6"/>
-                </a:solidFill>
-                <a:latin typeface="Monaco"/>
-                <a:cs typeface="Monaco"/>
-              </a:rPr>
-              <a:t>]</a:t>
-            </a:r>
-          </a:p>
-          <a:p>
-            <a:endParaRPr lang="en-US" dirty="0" smtClean="0">
-              <a:solidFill>
-                <a:srgbClr val="A6A6A6"/>
-              </a:solidFill>
-              <a:latin typeface="Monaco"/>
-              <a:cs typeface="Monaco"/>
-            </a:endParaRPr>
-          </a:p>
-          <a:p>
-            <a:r>
-              <a:rPr lang="en-US" dirty="0" smtClean="0">
-                <a:solidFill>
-                  <a:srgbClr val="000000"/>
-                </a:solidFill>
-                <a:latin typeface="Monaco"/>
-                <a:cs typeface="Monaco"/>
-              </a:rPr>
-              <a:t># We can use indexing to re-write items in lists</a:t>
-            </a:r>
-          </a:p>
-          <a:p>
-            <a:r>
-              <a:rPr lang="en-US" dirty="0" smtClean="0">
-                <a:solidFill>
-                  <a:srgbClr val="000000"/>
-                </a:solidFill>
-                <a:latin typeface="Monaco"/>
-                <a:cs typeface="Monaco"/>
-              </a:rPr>
-              <a:t>f[2] = 77.8</a:t>
-            </a:r>
-          </a:p>
-          <a:p>
-            <a:r>
-              <a:rPr lang="en-US" dirty="0" smtClean="0">
-                <a:solidFill>
-                  <a:srgbClr val="000000"/>
-                </a:solidFill>
-                <a:latin typeface="Monaco"/>
-                <a:cs typeface="Monaco"/>
-              </a:rPr>
-              <a:t>print f</a:t>
-            </a:r>
-          </a:p>
-          <a:p>
-            <a:r>
-              <a:rPr lang="en-US" dirty="0">
-                <a:solidFill>
-                  <a:srgbClr val="A6A6A6"/>
-                </a:solidFill>
-                <a:latin typeface="Monaco"/>
-                <a:cs typeface="Monaco"/>
-              </a:rPr>
-              <a:t>	[1, 2, </a:t>
-            </a:r>
-            <a:r>
-              <a:rPr lang="en-US" dirty="0" smtClean="0">
-                <a:solidFill>
-                  <a:srgbClr val="A6A6A6"/>
-                </a:solidFill>
-                <a:latin typeface="Monaco"/>
-                <a:cs typeface="Monaco"/>
-              </a:rPr>
-              <a:t>77.8, </a:t>
-            </a:r>
-            <a:r>
-              <a:rPr lang="en-US" dirty="0">
-                <a:solidFill>
-                  <a:srgbClr val="A6A6A6"/>
-                </a:solidFill>
-                <a:latin typeface="Monaco"/>
-                <a:cs typeface="Monaco"/>
-              </a:rPr>
-              <a:t>4]</a:t>
-            </a:r>
-          </a:p>
-          <a:p>
-            <a:endParaRPr lang="en-US" dirty="0" smtClean="0">
-              <a:solidFill>
-                <a:srgbClr val="A6A6A6"/>
-              </a:solidFill>
-              <a:latin typeface="Monaco"/>
-              <a:cs typeface="Monaco"/>
-            </a:endParaRPr>
-          </a:p>
-          <a:p>
-            <a:endParaRPr lang="en-US" dirty="0">
-              <a:solidFill>
-                <a:srgbClr val="A6A6A6"/>
-              </a:solidFill>
-              <a:latin typeface="Monaco"/>
-              <a:cs typeface="Monaco"/>
-            </a:endParaRPr>
-          </a:p>
-        </p:txBody>
-      </p:sp>
-    </p:spTree>
-    <p:extLst>
-      <p:ext uri="{BB962C8B-B14F-4D97-AF65-F5344CB8AC3E}">
-        <p14:creationId xmlns:p14="http://schemas.microsoft.com/office/powerpoint/2010/main" val="1727971694"/>
-      </p:ext>
-    </p:extLst>
-  </p:cSld>
-  <p:clrMapOvr>
-    <a:masterClrMapping/>
-  </p:clrMapOvr>
-  <mc:AlternateContent xmlns:mc="http://schemas.openxmlformats.org/markup-compatibility/2006">
-    <mc:Choice xmlns:p14="http://schemas.microsoft.com/office/powerpoint/2010/main" Requires="p14">
-      <p:transition spd="slow" p14:dur="2000"/>
-    </mc:Choice>
-    <mc:Fallback>
-      <p:transition xmlns:p14="http://schemas.microsoft.com/office/powerpoint/2010/main" spd="slow"/>
-    </mc:Fallback>
-  </mc:AlternateContent>
-  <p:timing>
-    <p:tnLst>
-      <p:par>
-        <p:cTn xmlns:p14="http://schemas.microsoft.com/office/powerpoint/2010/main" id="1" dur="indefinite" restart="never" nodeType="tmRoot"/>
-      </p:par>
-    </p:tnLst>
-  </p:timing>
-</p:sld>
-</file>
-
-<file path=ppt/slides/slide55.xml><?xml version="1.0" encoding="utf-8"?>
+<file path=ppt/slides/slide52.xml><?xml version="1.0" encoding="utf-8"?>
 <p:sld xmlns:a="http://schemas.openxmlformats.org/drawingml/2006/main" xmlns:r="http://schemas.openxmlformats.org/officeDocument/2006/relationships" xmlns:p="http://schemas.openxmlformats.org/presentationml/2006/main">
   <p:cSld>
     <p:spTree>

--- a/files/day1_materials/slides_day1.pptx
+++ b/files/day1_materials/slides_day1.pptx
@@ -243,7 +243,7 @@
           <a:p>
             <a:fld id="{F833E4A7-8C8F-0444-B05A-6DE0ED7B35B0}" type="datetimeFigureOut">
               <a:rPr lang="en-US" smtClean="0"/>
-              <a:t>5/20/16</a:t>
+              <a:t>5/23/16</a:t>
             </a:fld>
             <a:endParaRPr lang="en-US"/>
           </a:p>
@@ -956,7 +956,7 @@
           <a:p>
             <a:fld id="{CAF647BD-C221-1844-9ED2-A7F7759EF665}" type="datetimeFigureOut">
               <a:rPr lang="en-US" smtClean="0"/>
-              <a:t>5/20/16</a:t>
+              <a:t>5/23/16</a:t>
             </a:fld>
             <a:endParaRPr lang="en-US"/>
           </a:p>
@@ -1221,7 +1221,7 @@
           <a:p>
             <a:fld id="{CAF647BD-C221-1844-9ED2-A7F7759EF665}" type="datetimeFigureOut">
               <a:rPr lang="en-US" smtClean="0"/>
-              <a:t>5/20/16</a:t>
+              <a:t>5/23/16</a:t>
             </a:fld>
             <a:endParaRPr lang="en-US"/>
           </a:p>
@@ -1396,7 +1396,7 @@
           <a:p>
             <a:fld id="{CAF647BD-C221-1844-9ED2-A7F7759EF665}" type="datetimeFigureOut">
               <a:rPr lang="en-US" smtClean="0"/>
-              <a:t>5/20/16</a:t>
+              <a:t>5/23/16</a:t>
             </a:fld>
             <a:endParaRPr lang="en-US"/>
           </a:p>
@@ -1561,7 +1561,7 @@
           <a:p>
             <a:fld id="{CAF647BD-C221-1844-9ED2-A7F7759EF665}" type="datetimeFigureOut">
               <a:rPr lang="en-US" smtClean="0"/>
-              <a:t>5/20/16</a:t>
+              <a:t>5/23/16</a:t>
             </a:fld>
             <a:endParaRPr lang="en-US"/>
           </a:p>
@@ -1810,7 +1810,7 @@
           <a:p>
             <a:fld id="{CAF647BD-C221-1844-9ED2-A7F7759EF665}" type="datetimeFigureOut">
               <a:rPr lang="en-US" smtClean="0"/>
-              <a:t>5/20/16</a:t>
+              <a:t>5/23/16</a:t>
             </a:fld>
             <a:endParaRPr lang="en-US"/>
           </a:p>
@@ -2093,7 +2093,7 @@
           <a:p>
             <a:fld id="{CAF647BD-C221-1844-9ED2-A7F7759EF665}" type="datetimeFigureOut">
               <a:rPr lang="en-US" smtClean="0"/>
-              <a:t>5/20/16</a:t>
+              <a:t>5/23/16</a:t>
             </a:fld>
             <a:endParaRPr lang="en-US"/>
           </a:p>
@@ -2532,7 +2532,7 @@
           <a:p>
             <a:fld id="{CAF647BD-C221-1844-9ED2-A7F7759EF665}" type="datetimeFigureOut">
               <a:rPr lang="en-US" smtClean="0"/>
-              <a:t>5/20/16</a:t>
+              <a:t>5/23/16</a:t>
             </a:fld>
             <a:endParaRPr lang="en-US"/>
           </a:p>
@@ -2645,7 +2645,7 @@
           <a:p>
             <a:fld id="{CAF647BD-C221-1844-9ED2-A7F7759EF665}" type="datetimeFigureOut">
               <a:rPr lang="en-US" smtClean="0"/>
-              <a:t>5/20/16</a:t>
+              <a:t>5/23/16</a:t>
             </a:fld>
             <a:endParaRPr lang="en-US"/>
           </a:p>
@@ -2735,7 +2735,7 @@
           <a:p>
             <a:fld id="{CAF647BD-C221-1844-9ED2-A7F7759EF665}" type="datetimeFigureOut">
               <a:rPr lang="en-US" smtClean="0"/>
-              <a:t>5/20/16</a:t>
+              <a:t>5/23/16</a:t>
             </a:fld>
             <a:endParaRPr lang="en-US"/>
           </a:p>
@@ -2977,7 +2977,7 @@
           <a:p>
             <a:fld id="{CAF647BD-C221-1844-9ED2-A7F7759EF665}" type="datetimeFigureOut">
               <a:rPr lang="en-US" smtClean="0"/>
-              <a:t>5/20/16</a:t>
+              <a:t>5/23/16</a:t>
             </a:fld>
             <a:endParaRPr lang="en-US"/>
           </a:p>
@@ -3271,7 +3271,7 @@
           <a:p>
             <a:fld id="{CAF647BD-C221-1844-9ED2-A7F7759EF665}" type="datetimeFigureOut">
               <a:rPr lang="en-US" smtClean="0"/>
-              <a:t>5/20/16</a:t>
+              <a:t>5/23/16</a:t>
             </a:fld>
             <a:endParaRPr lang="en-US"/>
           </a:p>
@@ -3565,7 +3565,7 @@
           <a:p>
             <a:fld id="{CAF647BD-C221-1844-9ED2-A7F7759EF665}" type="datetimeFigureOut">
               <a:rPr lang="en-US" smtClean="0"/>
-              <a:t>5/20/16</a:t>
+              <a:t>5/23/16</a:t>
             </a:fld>
             <a:endParaRPr lang="en-US"/>
           </a:p>
@@ -4106,7 +4106,7 @@
           <a:p>
             <a:r>
               <a:rPr lang="en-US" dirty="0" smtClean="0"/>
-              <a:t>Big data in biology summer school, 2015</a:t>
+              <a:t>Big data in biology summer school, 2016</a:t>
             </a:r>
           </a:p>
           <a:p>
